--- a/fig.pptx
+++ b/fig.pptx
@@ -6,6 +6,7 @@
   </p:sldMasterIdLst>
   <p:sldIdLst>
     <p:sldId id="256" r:id="rId2"/>
+    <p:sldId id="257" r:id="rId3"/>
   </p:sldIdLst>
   <p:sldSz cx="12192000" cy="6858000"/>
   <p:notesSz cx="6858000" cy="9144000"/>
@@ -104,6 +105,11 @@
       </a:defRPr>
     </a:lvl9pPr>
   </p:defaultTextStyle>
+  <p:extLst>
+    <p:ext uri="{EFAFB233-063F-42B5-8137-9DF3F51BA10A}">
+      <p15:sldGuideLst xmlns:p15="http://schemas.microsoft.com/office/powerpoint/2012/main"/>
+    </p:ext>
+  </p:extLst>
 </p:presentation>
 </file>
 
@@ -254,7 +260,7 @@
           <a:p>
             <a:fld id="{A2C5C440-886C-4C4C-B0B0-DA45BC162B06}" type="datetimeFigureOut">
               <a:rPr kumimoji="1" lang="ja-JP" altLang="en-US" smtClean="0"/>
-              <a:t>2020/3/12</a:t>
+              <a:t>2020/3/23</a:t>
             </a:fld>
             <a:endParaRPr kumimoji="1" lang="ja-JP" altLang="en-US"/>
           </a:p>
@@ -484,7 +490,7 @@
           <a:p>
             <a:fld id="{A2C5C440-886C-4C4C-B0B0-DA45BC162B06}" type="datetimeFigureOut">
               <a:rPr kumimoji="1" lang="ja-JP" altLang="en-US" smtClean="0"/>
-              <a:t>2020/3/12</a:t>
+              <a:t>2020/3/23</a:t>
             </a:fld>
             <a:endParaRPr kumimoji="1" lang="ja-JP" altLang="en-US"/>
           </a:p>
@@ -724,7 +730,7 @@
           <a:p>
             <a:fld id="{A2C5C440-886C-4C4C-B0B0-DA45BC162B06}" type="datetimeFigureOut">
               <a:rPr kumimoji="1" lang="ja-JP" altLang="en-US" smtClean="0"/>
-              <a:t>2020/3/12</a:t>
+              <a:t>2020/3/23</a:t>
             </a:fld>
             <a:endParaRPr kumimoji="1" lang="ja-JP" altLang="en-US"/>
           </a:p>
@@ -954,7 +960,7 @@
           <a:p>
             <a:fld id="{A2C5C440-886C-4C4C-B0B0-DA45BC162B06}" type="datetimeFigureOut">
               <a:rPr kumimoji="1" lang="ja-JP" altLang="en-US" smtClean="0"/>
-              <a:t>2020/3/12</a:t>
+              <a:t>2020/3/23</a:t>
             </a:fld>
             <a:endParaRPr kumimoji="1" lang="ja-JP" altLang="en-US"/>
           </a:p>
@@ -1229,7 +1235,7 @@
           <a:p>
             <a:fld id="{A2C5C440-886C-4C4C-B0B0-DA45BC162B06}" type="datetimeFigureOut">
               <a:rPr kumimoji="1" lang="ja-JP" altLang="en-US" smtClean="0"/>
-              <a:t>2020/3/12</a:t>
+              <a:t>2020/3/23</a:t>
             </a:fld>
             <a:endParaRPr kumimoji="1" lang="ja-JP" altLang="en-US"/>
           </a:p>
@@ -1558,7 +1564,7 @@
           <a:p>
             <a:fld id="{A2C5C440-886C-4C4C-B0B0-DA45BC162B06}" type="datetimeFigureOut">
               <a:rPr kumimoji="1" lang="ja-JP" altLang="en-US" smtClean="0"/>
-              <a:t>2020/3/12</a:t>
+              <a:t>2020/3/23</a:t>
             </a:fld>
             <a:endParaRPr kumimoji="1" lang="ja-JP" altLang="en-US"/>
           </a:p>
@@ -2034,7 +2040,7 @@
           <a:p>
             <a:fld id="{A2C5C440-886C-4C4C-B0B0-DA45BC162B06}" type="datetimeFigureOut">
               <a:rPr kumimoji="1" lang="ja-JP" altLang="en-US" smtClean="0"/>
-              <a:t>2020/3/12</a:t>
+              <a:t>2020/3/23</a:t>
             </a:fld>
             <a:endParaRPr kumimoji="1" lang="ja-JP" altLang="en-US"/>
           </a:p>
@@ -2175,7 +2181,7 @@
           <a:p>
             <a:fld id="{A2C5C440-886C-4C4C-B0B0-DA45BC162B06}" type="datetimeFigureOut">
               <a:rPr kumimoji="1" lang="ja-JP" altLang="en-US" smtClean="0"/>
-              <a:t>2020/3/12</a:t>
+              <a:t>2020/3/23</a:t>
             </a:fld>
             <a:endParaRPr kumimoji="1" lang="ja-JP" altLang="en-US"/>
           </a:p>
@@ -2288,7 +2294,7 @@
           <a:p>
             <a:fld id="{A2C5C440-886C-4C4C-B0B0-DA45BC162B06}" type="datetimeFigureOut">
               <a:rPr kumimoji="1" lang="ja-JP" altLang="en-US" smtClean="0"/>
-              <a:t>2020/3/12</a:t>
+              <a:t>2020/3/23</a:t>
             </a:fld>
             <a:endParaRPr kumimoji="1" lang="ja-JP" altLang="en-US"/>
           </a:p>
@@ -2631,7 +2637,7 @@
           <a:p>
             <a:fld id="{A2C5C440-886C-4C4C-B0B0-DA45BC162B06}" type="datetimeFigureOut">
               <a:rPr kumimoji="1" lang="ja-JP" altLang="en-US" smtClean="0"/>
-              <a:t>2020/3/12</a:t>
+              <a:t>2020/3/23</a:t>
             </a:fld>
             <a:endParaRPr kumimoji="1" lang="ja-JP" altLang="en-US"/>
           </a:p>
@@ -2919,7 +2925,7 @@
           <a:p>
             <a:fld id="{A2C5C440-886C-4C4C-B0B0-DA45BC162B06}" type="datetimeFigureOut">
               <a:rPr kumimoji="1" lang="ja-JP" altLang="en-US" smtClean="0"/>
-              <a:t>2020/3/12</a:t>
+              <a:t>2020/3/23</a:t>
             </a:fld>
             <a:endParaRPr kumimoji="1" lang="ja-JP" altLang="en-US"/>
           </a:p>
@@ -3192,7 +3198,7 @@
           <a:p>
             <a:fld id="{A2C5C440-886C-4C4C-B0B0-DA45BC162B06}" type="datetimeFigureOut">
               <a:rPr kumimoji="1" lang="ja-JP" altLang="en-US" smtClean="0"/>
-              <a:t>2020/3/12</a:t>
+              <a:t>2020/3/23</a:t>
             </a:fld>
             <a:endParaRPr kumimoji="1" lang="ja-JP" altLang="en-US"/>
           </a:p>
@@ -4436,6 +4442,999 @@
 </p:sld>
 </file>
 
+<file path=ppt/slides/slide2.xml><?xml version="1.0" encoding="utf-8"?>
+<p:sld xmlns:a="http://schemas.openxmlformats.org/drawingml/2006/main" xmlns:r="http://schemas.openxmlformats.org/officeDocument/2006/relationships" xmlns:p="http://schemas.openxmlformats.org/presentationml/2006/main">
+  <p:cSld>
+    <p:spTree>
+      <p:nvGrpSpPr>
+        <p:cNvPr id="1" name=""/>
+        <p:cNvGrpSpPr/>
+        <p:nvPr/>
+      </p:nvGrpSpPr>
+      <p:grpSpPr>
+        <a:xfrm>
+          <a:off x="0" y="0"/>
+          <a:ext cx="0" cy="0"/>
+          <a:chOff x="0" y="0"/>
+          <a:chExt cx="0" cy="0"/>
+        </a:xfrm>
+      </p:grpSpPr>
+      <p:sp>
+        <p:nvSpPr>
+          <p:cNvPr id="50" name="正方形/長方形 49">
+            <a:extLst>
+              <a:ext uri="{FF2B5EF4-FFF2-40B4-BE49-F238E27FC236}">
+                <a16:creationId xmlns:a16="http://schemas.microsoft.com/office/drawing/2014/main" id="{2FA11A2C-A9B7-ED43-B28F-0E6192EEA59E}"/>
+              </a:ext>
+            </a:extLst>
+          </p:cNvPr>
+          <p:cNvSpPr/>
+          <p:nvPr/>
+        </p:nvSpPr>
+        <p:spPr>
+          <a:xfrm>
+            <a:off x="4656909" y="347777"/>
+            <a:ext cx="6864531" cy="5987643"/>
+          </a:xfrm>
+          <a:prstGeom prst="rect">
+            <a:avLst/>
+          </a:prstGeom>
+          <a:solidFill>
+            <a:schemeClr val="accent1">
+              <a:lumMod val="20000"/>
+              <a:lumOff val="80000"/>
+              <a:alpha val="70000"/>
+            </a:schemeClr>
+          </a:solidFill>
+          <a:ln>
+            <a:noFill/>
+          </a:ln>
+        </p:spPr>
+        <p:style>
+          <a:lnRef idx="2">
+            <a:schemeClr val="accent1">
+              <a:shade val="50000"/>
+            </a:schemeClr>
+          </a:lnRef>
+          <a:fillRef idx="1">
+            <a:schemeClr val="accent1"/>
+          </a:fillRef>
+          <a:effectRef idx="0">
+            <a:schemeClr val="accent1"/>
+          </a:effectRef>
+          <a:fontRef idx="minor">
+            <a:schemeClr val="lt1"/>
+          </a:fontRef>
+        </p:style>
+        <p:txBody>
+          <a:bodyPr rtlCol="0" anchor="ctr"/>
+          <a:lstStyle/>
+          <a:p>
+            <a:pPr algn="ctr"/>
+            <a:endParaRPr kumimoji="1" lang="ja-JP" altLang="en-US"/>
+          </a:p>
+        </p:txBody>
+      </p:sp>
+      <p:sp>
+        <p:nvSpPr>
+          <p:cNvPr id="4" name="正方形/長方形 3">
+            <a:extLst>
+              <a:ext uri="{FF2B5EF4-FFF2-40B4-BE49-F238E27FC236}">
+                <a16:creationId xmlns:a16="http://schemas.microsoft.com/office/drawing/2014/main" id="{59B3AAC8-130B-A948-BE1D-92537FC5E656}"/>
+              </a:ext>
+            </a:extLst>
+          </p:cNvPr>
+          <p:cNvSpPr/>
+          <p:nvPr/>
+        </p:nvSpPr>
+        <p:spPr>
+          <a:xfrm>
+            <a:off x="7461621" y="3414770"/>
+            <a:ext cx="3850543" cy="2366123"/>
+          </a:xfrm>
+          <a:prstGeom prst="rect">
+            <a:avLst/>
+          </a:prstGeom>
+          <a:solidFill>
+            <a:schemeClr val="accent6">
+              <a:lumMod val="20000"/>
+              <a:lumOff val="80000"/>
+              <a:alpha val="49000"/>
+            </a:schemeClr>
+          </a:solidFill>
+          <a:ln>
+            <a:solidFill>
+              <a:schemeClr val="accent6"/>
+            </a:solidFill>
+          </a:ln>
+        </p:spPr>
+        <p:style>
+          <a:lnRef idx="2">
+            <a:schemeClr val="accent1">
+              <a:shade val="50000"/>
+            </a:schemeClr>
+          </a:lnRef>
+          <a:fillRef idx="1">
+            <a:schemeClr val="accent1"/>
+          </a:fillRef>
+          <a:effectRef idx="0">
+            <a:schemeClr val="accent1"/>
+          </a:effectRef>
+          <a:fontRef idx="minor">
+            <a:schemeClr val="lt1"/>
+          </a:fontRef>
+        </p:style>
+        <p:txBody>
+          <a:bodyPr rtlCol="0" anchor="ctr"/>
+          <a:lstStyle/>
+          <a:p>
+            <a:pPr algn="ctr"/>
+            <a:endParaRPr lang="ja-JP" altLang="en-US"/>
+          </a:p>
+          <a:p>
+            <a:pPr algn="ctr"/>
+            <a:endParaRPr kumimoji="1" lang="ja-JP" altLang="en-US"/>
+          </a:p>
+        </p:txBody>
+      </p:sp>
+      <p:sp>
+        <p:nvSpPr>
+          <p:cNvPr id="5" name="正方形/長方形 4">
+            <a:extLst>
+              <a:ext uri="{FF2B5EF4-FFF2-40B4-BE49-F238E27FC236}">
+                <a16:creationId xmlns:a16="http://schemas.microsoft.com/office/drawing/2014/main" id="{83C4643E-3A2B-6649-B91D-8CDA34FCC61B}"/>
+              </a:ext>
+            </a:extLst>
+          </p:cNvPr>
+          <p:cNvSpPr/>
+          <p:nvPr/>
+        </p:nvSpPr>
+        <p:spPr>
+          <a:xfrm>
+            <a:off x="7748832" y="3999052"/>
+            <a:ext cx="1489436" cy="994843"/>
+          </a:xfrm>
+          <a:prstGeom prst="rect">
+            <a:avLst/>
+          </a:prstGeom>
+          <a:solidFill>
+            <a:schemeClr val="bg1"/>
+          </a:solidFill>
+          <a:ln w="50800">
+            <a:solidFill>
+              <a:schemeClr val="accent1"/>
+            </a:solidFill>
+          </a:ln>
+        </p:spPr>
+        <p:style>
+          <a:lnRef idx="2">
+            <a:schemeClr val="accent1">
+              <a:shade val="50000"/>
+            </a:schemeClr>
+          </a:lnRef>
+          <a:fillRef idx="1">
+            <a:schemeClr val="accent1"/>
+          </a:fillRef>
+          <a:effectRef idx="0">
+            <a:schemeClr val="accent1"/>
+          </a:effectRef>
+          <a:fontRef idx="minor">
+            <a:schemeClr val="lt1"/>
+          </a:fontRef>
+        </p:style>
+        <p:txBody>
+          <a:bodyPr rtlCol="0" anchor="ctr"/>
+          <a:lstStyle/>
+          <a:p>
+            <a:pPr algn="ctr"/>
+            <a:r>
+              <a:rPr lang="en-US" altLang="ja-JP" b="1" dirty="0">
+                <a:solidFill>
+                  <a:schemeClr val="accent1"/>
+                </a:solidFill>
+                <a:latin typeface="Calibri" panose="020F0502020204030204" pitchFamily="34" charset="0"/>
+                <a:cs typeface="Calibri" panose="020F0502020204030204" pitchFamily="34" charset="0"/>
+              </a:rPr>
+              <a:t>nginx-tester</a:t>
+            </a:r>
+            <a:endParaRPr lang="ja-JP" altLang="en-US" b="1">
+              <a:solidFill>
+                <a:schemeClr val="accent1"/>
+              </a:solidFill>
+              <a:latin typeface="Calibri" panose="020F0502020204030204" pitchFamily="34" charset="0"/>
+              <a:cs typeface="Calibri" panose="020F0502020204030204" pitchFamily="34" charset="0"/>
+            </a:endParaRPr>
+          </a:p>
+        </p:txBody>
+      </p:sp>
+      <p:sp>
+        <p:nvSpPr>
+          <p:cNvPr id="6" name="正方形/長方形 5">
+            <a:extLst>
+              <a:ext uri="{FF2B5EF4-FFF2-40B4-BE49-F238E27FC236}">
+                <a16:creationId xmlns:a16="http://schemas.microsoft.com/office/drawing/2014/main" id="{26039D39-A65C-0C47-90A7-2DF9EF185A41}"/>
+              </a:ext>
+            </a:extLst>
+          </p:cNvPr>
+          <p:cNvSpPr/>
+          <p:nvPr/>
+        </p:nvSpPr>
+        <p:spPr>
+          <a:xfrm>
+            <a:off x="354486" y="925501"/>
+            <a:ext cx="2821680" cy="1765448"/>
+          </a:xfrm>
+          <a:prstGeom prst="rect">
+            <a:avLst/>
+          </a:prstGeom>
+          <a:solidFill>
+            <a:schemeClr val="bg1"/>
+          </a:solidFill>
+          <a:ln w="50800">
+            <a:solidFill>
+              <a:schemeClr val="accent1"/>
+            </a:solidFill>
+          </a:ln>
+        </p:spPr>
+        <p:style>
+          <a:lnRef idx="2">
+            <a:schemeClr val="accent1">
+              <a:shade val="50000"/>
+            </a:schemeClr>
+          </a:lnRef>
+          <a:fillRef idx="1">
+            <a:schemeClr val="accent1"/>
+          </a:fillRef>
+          <a:effectRef idx="0">
+            <a:schemeClr val="accent1"/>
+          </a:effectRef>
+          <a:fontRef idx="minor">
+            <a:schemeClr val="lt1"/>
+          </a:fontRef>
+        </p:style>
+        <p:txBody>
+          <a:bodyPr rtlCol="0" anchor="ctr"/>
+          <a:lstStyle/>
+          <a:p>
+            <a:pPr algn="ctr"/>
+            <a:r>
+              <a:rPr lang="en-US" altLang="ja-JP" sz="2400" b="1" dirty="0">
+                <a:solidFill>
+                  <a:schemeClr val="accent1"/>
+                </a:solidFill>
+                <a:latin typeface="Calibri" panose="020F0502020204030204" pitchFamily="34" charset="0"/>
+                <a:cs typeface="Calibri" panose="020F0502020204030204" pitchFamily="34" charset="0"/>
+              </a:rPr>
+              <a:t>Primary Container</a:t>
+            </a:r>
+            <a:endParaRPr lang="ja-JP" altLang="en-US" sz="2400" b="1">
+              <a:solidFill>
+                <a:schemeClr val="accent1"/>
+              </a:solidFill>
+              <a:latin typeface="Calibri" panose="020F0502020204030204" pitchFamily="34" charset="0"/>
+              <a:cs typeface="Calibri" panose="020F0502020204030204" pitchFamily="34" charset="0"/>
+            </a:endParaRPr>
+          </a:p>
+        </p:txBody>
+      </p:sp>
+      <p:cxnSp>
+        <p:nvCxnSpPr>
+          <p:cNvPr id="7" name="直線矢印コネクタ 6">
+            <a:extLst>
+              <a:ext uri="{FF2B5EF4-FFF2-40B4-BE49-F238E27FC236}">
+                <a16:creationId xmlns:a16="http://schemas.microsoft.com/office/drawing/2014/main" id="{26DD5008-F8C9-E149-8D9B-0A81EE0DAC6A}"/>
+              </a:ext>
+            </a:extLst>
+          </p:cNvPr>
+          <p:cNvCxnSpPr>
+            <a:cxnSpLocks/>
+            <a:stCxn id="6" idx="3"/>
+          </p:cNvCxnSpPr>
+          <p:nvPr/>
+        </p:nvCxnSpPr>
+        <p:spPr>
+          <a:xfrm>
+            <a:off x="3176166" y="1808225"/>
+            <a:ext cx="3918023" cy="0"/>
+          </a:xfrm>
+          <a:prstGeom prst="straightConnector1">
+            <a:avLst/>
+          </a:prstGeom>
+          <a:ln w="44450">
+            <a:tailEnd type="arrow"/>
+          </a:ln>
+        </p:spPr>
+        <p:style>
+          <a:lnRef idx="1">
+            <a:schemeClr val="accent1"/>
+          </a:lnRef>
+          <a:fillRef idx="0">
+            <a:schemeClr val="accent1"/>
+          </a:fillRef>
+          <a:effectRef idx="0">
+            <a:schemeClr val="accent1"/>
+          </a:effectRef>
+          <a:fontRef idx="minor">
+            <a:schemeClr val="tx1"/>
+          </a:fontRef>
+        </p:style>
+      </p:cxnSp>
+      <p:sp>
+        <p:nvSpPr>
+          <p:cNvPr id="11" name="テキスト ボックス 10">
+            <a:extLst>
+              <a:ext uri="{FF2B5EF4-FFF2-40B4-BE49-F238E27FC236}">
+                <a16:creationId xmlns:a16="http://schemas.microsoft.com/office/drawing/2014/main" id="{743F8C9B-82F1-394C-9FC5-6DF8F824AACA}"/>
+              </a:ext>
+            </a:extLst>
+          </p:cNvPr>
+          <p:cNvSpPr txBox="1"/>
+          <p:nvPr/>
+        </p:nvSpPr>
+        <p:spPr>
+          <a:xfrm>
+            <a:off x="3807362" y="1369105"/>
+            <a:ext cx="2590774" cy="369332"/>
+          </a:xfrm>
+          <a:prstGeom prst="rect">
+            <a:avLst/>
+          </a:prstGeom>
+          <a:noFill/>
+        </p:spPr>
+        <p:txBody>
+          <a:bodyPr wrap="none" rtlCol="0">
+            <a:spAutoFit/>
+          </a:bodyPr>
+          <a:lstStyle/>
+          <a:p>
+            <a:pPr algn="ctr"/>
+            <a:r>
+              <a:rPr kumimoji="1" lang="en-US" altLang="ja-JP" dirty="0">
+                <a:latin typeface="Consolas" panose="020B0609020204030204" pitchFamily="49" charset="0"/>
+                <a:cs typeface="Consolas" panose="020B0609020204030204" pitchFamily="49" charset="0"/>
+              </a:rPr>
+              <a:t>setup_remote_docker</a:t>
+            </a:r>
+            <a:endParaRPr kumimoji="1" lang="ja-JP" altLang="en-US">
+              <a:latin typeface="Consolas" panose="020B0609020204030204" pitchFamily="49" charset="0"/>
+              <a:cs typeface="Consolas" panose="020B0609020204030204" pitchFamily="49" charset="0"/>
+            </a:endParaRPr>
+          </a:p>
+        </p:txBody>
+      </p:sp>
+      <p:pic>
+        <p:nvPicPr>
+          <p:cNvPr id="16" name="図 15" descr="挿絵 が含まれている画像&#10;&#10;自動的に生成された説明">
+            <a:extLst>
+              <a:ext uri="{FF2B5EF4-FFF2-40B4-BE49-F238E27FC236}">
+                <a16:creationId xmlns:a16="http://schemas.microsoft.com/office/drawing/2014/main" id="{E863CD22-4E32-9D43-A889-9C72EF8D54B9}"/>
+              </a:ext>
+            </a:extLst>
+          </p:cNvPr>
+          <p:cNvPicPr>
+            <a:picLocks noChangeAspect="1"/>
+          </p:cNvPicPr>
+          <p:nvPr/>
+        </p:nvPicPr>
+        <p:blipFill rotWithShape="1">
+          <a:blip r:embed="rId2"/>
+          <a:srcRect b="30149"/>
+          <a:stretch/>
+        </p:blipFill>
+        <p:spPr>
+          <a:xfrm>
+            <a:off x="7059956" y="1213293"/>
+            <a:ext cx="1722622" cy="1029540"/>
+          </a:xfrm>
+          <a:prstGeom prst="rect">
+            <a:avLst/>
+          </a:prstGeom>
+        </p:spPr>
+      </p:pic>
+      <p:sp>
+        <p:nvSpPr>
+          <p:cNvPr id="18" name="正方形/長方形 17">
+            <a:extLst>
+              <a:ext uri="{FF2B5EF4-FFF2-40B4-BE49-F238E27FC236}">
+                <a16:creationId xmlns:a16="http://schemas.microsoft.com/office/drawing/2014/main" id="{63EA835D-9DA5-AE4C-A423-EC59751A197A}"/>
+              </a:ext>
+            </a:extLst>
+          </p:cNvPr>
+          <p:cNvSpPr/>
+          <p:nvPr/>
+        </p:nvSpPr>
+        <p:spPr>
+          <a:xfrm>
+            <a:off x="9625593" y="4105241"/>
+            <a:ext cx="1489436" cy="994843"/>
+          </a:xfrm>
+          <a:prstGeom prst="rect">
+            <a:avLst/>
+          </a:prstGeom>
+          <a:solidFill>
+            <a:schemeClr val="bg1"/>
+          </a:solidFill>
+          <a:ln w="50800">
+            <a:solidFill>
+              <a:schemeClr val="accent1"/>
+            </a:solidFill>
+          </a:ln>
+        </p:spPr>
+        <p:style>
+          <a:lnRef idx="2">
+            <a:schemeClr val="accent1">
+              <a:shade val="50000"/>
+            </a:schemeClr>
+          </a:lnRef>
+          <a:fillRef idx="1">
+            <a:schemeClr val="accent1"/>
+          </a:fillRef>
+          <a:effectRef idx="0">
+            <a:schemeClr val="accent1"/>
+          </a:effectRef>
+          <a:fontRef idx="minor">
+            <a:schemeClr val="lt1"/>
+          </a:fontRef>
+        </p:style>
+        <p:txBody>
+          <a:bodyPr rtlCol="0" anchor="ctr"/>
+          <a:lstStyle/>
+          <a:p>
+            <a:pPr algn="ctr"/>
+            <a:endParaRPr kumimoji="1" lang="ja-JP" altLang="en-US"/>
+          </a:p>
+        </p:txBody>
+      </p:sp>
+      <p:sp>
+        <p:nvSpPr>
+          <p:cNvPr id="17" name="正方形/長方形 16">
+            <a:extLst>
+              <a:ext uri="{FF2B5EF4-FFF2-40B4-BE49-F238E27FC236}">
+                <a16:creationId xmlns:a16="http://schemas.microsoft.com/office/drawing/2014/main" id="{5DEE56F3-F9A4-C540-B35F-FCC7EF15CF39}"/>
+              </a:ext>
+            </a:extLst>
+          </p:cNvPr>
+          <p:cNvSpPr/>
+          <p:nvPr/>
+        </p:nvSpPr>
+        <p:spPr>
+          <a:xfrm>
+            <a:off x="9540751" y="3999052"/>
+            <a:ext cx="1489437" cy="994843"/>
+          </a:xfrm>
+          <a:prstGeom prst="rect">
+            <a:avLst/>
+          </a:prstGeom>
+          <a:solidFill>
+            <a:schemeClr val="bg1"/>
+          </a:solidFill>
+          <a:ln w="50800">
+            <a:solidFill>
+              <a:schemeClr val="accent1"/>
+            </a:solidFill>
+          </a:ln>
+        </p:spPr>
+        <p:style>
+          <a:lnRef idx="2">
+            <a:schemeClr val="accent1">
+              <a:shade val="50000"/>
+            </a:schemeClr>
+          </a:lnRef>
+          <a:fillRef idx="1">
+            <a:schemeClr val="accent1"/>
+          </a:fillRef>
+          <a:effectRef idx="0">
+            <a:schemeClr val="accent1"/>
+          </a:effectRef>
+          <a:fontRef idx="minor">
+            <a:schemeClr val="lt1"/>
+          </a:fontRef>
+        </p:style>
+        <p:txBody>
+          <a:bodyPr rtlCol="0" anchor="ctr"/>
+          <a:lstStyle/>
+          <a:p>
+            <a:pPr algn="ctr"/>
+            <a:r>
+              <a:rPr lang="en-US" altLang="ja-JP" b="1" dirty="0">
+                <a:solidFill>
+                  <a:schemeClr val="accent1"/>
+                </a:solidFill>
+                <a:latin typeface="Calibri" panose="020F0502020204030204" pitchFamily="34" charset="0"/>
+                <a:cs typeface="Calibri" panose="020F0502020204030204" pitchFamily="34" charset="0"/>
+              </a:rPr>
+              <a:t>nginx-</a:t>
+            </a:r>
+            <a:r>
+              <a:rPr lang="en-US" altLang="ja-JP" b="1" dirty="0" err="1">
+                <a:solidFill>
+                  <a:schemeClr val="accent1"/>
+                </a:solidFill>
+                <a:latin typeface="Calibri" panose="020F0502020204030204" pitchFamily="34" charset="0"/>
+                <a:cs typeface="Calibri" panose="020F0502020204030204" pitchFamily="34" charset="0"/>
+              </a:rPr>
+              <a:t>xxxxxx</a:t>
+            </a:r>
+            <a:endParaRPr lang="ja-JP" altLang="en-US" b="1">
+              <a:solidFill>
+                <a:schemeClr val="accent1"/>
+              </a:solidFill>
+              <a:latin typeface="Calibri" panose="020F0502020204030204" pitchFamily="34" charset="0"/>
+              <a:cs typeface="Calibri" panose="020F0502020204030204" pitchFamily="34" charset="0"/>
+            </a:endParaRPr>
+          </a:p>
+        </p:txBody>
+      </p:sp>
+      <p:sp>
+        <p:nvSpPr>
+          <p:cNvPr id="27" name="正方形/長方形 26">
+            <a:extLst>
+              <a:ext uri="{FF2B5EF4-FFF2-40B4-BE49-F238E27FC236}">
+                <a16:creationId xmlns:a16="http://schemas.microsoft.com/office/drawing/2014/main" id="{BE1780E9-367F-E249-BEBC-114CC4BA128D}"/>
+              </a:ext>
+            </a:extLst>
+          </p:cNvPr>
+          <p:cNvSpPr/>
+          <p:nvPr/>
+        </p:nvSpPr>
+        <p:spPr>
+          <a:xfrm>
+            <a:off x="7443870" y="3402118"/>
+            <a:ext cx="1684885" cy="369332"/>
+          </a:xfrm>
+          <a:prstGeom prst="rect">
+            <a:avLst/>
+          </a:prstGeom>
+        </p:spPr>
+        <p:txBody>
+          <a:bodyPr wrap="none">
+            <a:spAutoFit/>
+          </a:bodyPr>
+          <a:lstStyle/>
+          <a:p>
+            <a:r>
+              <a:rPr lang="en-US" altLang="ja-JP" b="1" dirty="0">
+                <a:solidFill>
+                  <a:schemeClr val="accent6">
+                    <a:lumMod val="75000"/>
+                  </a:schemeClr>
+                </a:solidFill>
+                <a:latin typeface="Calibri" panose="020F0502020204030204" pitchFamily="34" charset="0"/>
+                <a:cs typeface="Calibri" panose="020F0502020204030204" pitchFamily="34" charset="0"/>
+              </a:rPr>
+              <a:t>docker network</a:t>
+            </a:r>
+            <a:endParaRPr lang="ja-JP" altLang="en-US" b="1">
+              <a:solidFill>
+                <a:schemeClr val="accent6">
+                  <a:lumMod val="75000"/>
+                </a:schemeClr>
+              </a:solidFill>
+              <a:latin typeface="Calibri" panose="020F0502020204030204" pitchFamily="34" charset="0"/>
+              <a:cs typeface="Calibri" panose="020F0502020204030204" pitchFamily="34" charset="0"/>
+            </a:endParaRPr>
+          </a:p>
+        </p:txBody>
+      </p:sp>
+      <p:sp>
+        <p:nvSpPr>
+          <p:cNvPr id="29" name="テキスト ボックス 28">
+            <a:extLst>
+              <a:ext uri="{FF2B5EF4-FFF2-40B4-BE49-F238E27FC236}">
+                <a16:creationId xmlns:a16="http://schemas.microsoft.com/office/drawing/2014/main" id="{751C3DAE-FFED-684F-BB1E-D156E5FA904D}"/>
+              </a:ext>
+            </a:extLst>
+          </p:cNvPr>
+          <p:cNvSpPr txBox="1"/>
+          <p:nvPr/>
+        </p:nvSpPr>
+        <p:spPr>
+          <a:xfrm>
+            <a:off x="6951584" y="721936"/>
+            <a:ext cx="2050946" cy="461665"/>
+          </a:xfrm>
+          <a:prstGeom prst="rect">
+            <a:avLst/>
+          </a:prstGeom>
+          <a:noFill/>
+        </p:spPr>
+        <p:txBody>
+          <a:bodyPr wrap="none" rtlCol="0">
+            <a:spAutoFit/>
+          </a:bodyPr>
+          <a:lstStyle/>
+          <a:p>
+            <a:r>
+              <a:rPr lang="en-US" altLang="ja-JP" sz="2400" b="1" dirty="0">
+                <a:solidFill>
+                  <a:schemeClr val="accent1"/>
+                </a:solidFill>
+                <a:latin typeface="Calibri" panose="020F0502020204030204" pitchFamily="34" charset="0"/>
+                <a:cs typeface="Calibri" panose="020F0502020204030204" pitchFamily="34" charset="0"/>
+              </a:rPr>
+              <a:t>remote docker</a:t>
+            </a:r>
+            <a:endParaRPr lang="ja-JP" altLang="en-US" sz="2400" b="1">
+              <a:solidFill>
+                <a:schemeClr val="accent1"/>
+              </a:solidFill>
+              <a:latin typeface="Calibri" panose="020F0502020204030204" pitchFamily="34" charset="0"/>
+              <a:cs typeface="Calibri" panose="020F0502020204030204" pitchFamily="34" charset="0"/>
+            </a:endParaRPr>
+          </a:p>
+        </p:txBody>
+      </p:sp>
+      <p:sp>
+        <p:nvSpPr>
+          <p:cNvPr id="30" name="正方形/長方形 29">
+            <a:extLst>
+              <a:ext uri="{FF2B5EF4-FFF2-40B4-BE49-F238E27FC236}">
+                <a16:creationId xmlns:a16="http://schemas.microsoft.com/office/drawing/2014/main" id="{33A8DFD8-9008-874A-B795-3A34B2AEF4F0}"/>
+              </a:ext>
+            </a:extLst>
+          </p:cNvPr>
+          <p:cNvSpPr/>
+          <p:nvPr/>
+        </p:nvSpPr>
+        <p:spPr>
+          <a:xfrm>
+            <a:off x="5102749" y="3999051"/>
+            <a:ext cx="1443473" cy="994843"/>
+          </a:xfrm>
+          <a:prstGeom prst="rect">
+            <a:avLst/>
+          </a:prstGeom>
+          <a:solidFill>
+            <a:schemeClr val="bg1"/>
+          </a:solidFill>
+          <a:ln w="50800">
+            <a:solidFill>
+              <a:schemeClr val="accent1"/>
+            </a:solidFill>
+          </a:ln>
+        </p:spPr>
+        <p:style>
+          <a:lnRef idx="2">
+            <a:schemeClr val="accent1">
+              <a:shade val="50000"/>
+            </a:schemeClr>
+          </a:lnRef>
+          <a:fillRef idx="1">
+            <a:schemeClr val="accent1"/>
+          </a:fillRef>
+          <a:effectRef idx="0">
+            <a:schemeClr val="accent1"/>
+          </a:effectRef>
+          <a:fontRef idx="minor">
+            <a:schemeClr val="lt1"/>
+          </a:fontRef>
+        </p:style>
+        <p:txBody>
+          <a:bodyPr rtlCol="0" anchor="ctr"/>
+          <a:lstStyle/>
+          <a:p>
+            <a:pPr algn="ctr"/>
+            <a:r>
+              <a:rPr lang="en-US" altLang="ja-JP" b="1" dirty="0">
+                <a:solidFill>
+                  <a:schemeClr val="accent1"/>
+                </a:solidFill>
+                <a:latin typeface="Calibri" panose="020F0502020204030204" pitchFamily="34" charset="0"/>
+                <a:cs typeface="Calibri" panose="020F0502020204030204" pitchFamily="34" charset="0"/>
+              </a:rPr>
+              <a:t>nginx-test-data</a:t>
+            </a:r>
+            <a:endParaRPr lang="ja-JP" altLang="en-US" b="1">
+              <a:solidFill>
+                <a:schemeClr val="accent1"/>
+              </a:solidFill>
+              <a:latin typeface="Calibri" panose="020F0502020204030204" pitchFamily="34" charset="0"/>
+              <a:cs typeface="Calibri" panose="020F0502020204030204" pitchFamily="34" charset="0"/>
+            </a:endParaRPr>
+          </a:p>
+        </p:txBody>
+      </p:sp>
+      <p:cxnSp>
+        <p:nvCxnSpPr>
+          <p:cNvPr id="33" name="直線矢印コネクタ 32">
+            <a:extLst>
+              <a:ext uri="{FF2B5EF4-FFF2-40B4-BE49-F238E27FC236}">
+                <a16:creationId xmlns:a16="http://schemas.microsoft.com/office/drawing/2014/main" id="{AD023F9D-9E14-084B-A468-E6946037581D}"/>
+              </a:ext>
+            </a:extLst>
+          </p:cNvPr>
+          <p:cNvCxnSpPr>
+            <a:cxnSpLocks/>
+            <a:stCxn id="5" idx="1"/>
+            <a:endCxn id="30" idx="3"/>
+          </p:cNvCxnSpPr>
+          <p:nvPr/>
+        </p:nvCxnSpPr>
+        <p:spPr>
+          <a:xfrm flipH="1" flipV="1">
+            <a:off x="6546222" y="4496473"/>
+            <a:ext cx="1202610" cy="1"/>
+          </a:xfrm>
+          <a:prstGeom prst="straightConnector1">
+            <a:avLst/>
+          </a:prstGeom>
+          <a:ln w="44450">
+            <a:tailEnd type="arrow"/>
+          </a:ln>
+        </p:spPr>
+        <p:style>
+          <a:lnRef idx="1">
+            <a:schemeClr val="accent1"/>
+          </a:lnRef>
+          <a:fillRef idx="0">
+            <a:schemeClr val="accent1"/>
+          </a:fillRef>
+          <a:effectRef idx="0">
+            <a:schemeClr val="accent1"/>
+          </a:effectRef>
+          <a:fontRef idx="minor">
+            <a:schemeClr val="tx1"/>
+          </a:fontRef>
+        </p:style>
+      </p:cxnSp>
+      <p:sp>
+        <p:nvSpPr>
+          <p:cNvPr id="40" name="テキスト ボックス 39">
+            <a:extLst>
+              <a:ext uri="{FF2B5EF4-FFF2-40B4-BE49-F238E27FC236}">
+                <a16:creationId xmlns:a16="http://schemas.microsoft.com/office/drawing/2014/main" id="{A055276B-CCAF-E84F-8728-4FAAE1FA147D}"/>
+              </a:ext>
+            </a:extLst>
+          </p:cNvPr>
+          <p:cNvSpPr txBox="1"/>
+          <p:nvPr/>
+        </p:nvSpPr>
+        <p:spPr>
+          <a:xfrm>
+            <a:off x="6685263" y="4105241"/>
+            <a:ext cx="817853" cy="369332"/>
+          </a:xfrm>
+          <a:prstGeom prst="rect">
+            <a:avLst/>
+          </a:prstGeom>
+          <a:noFill/>
+        </p:spPr>
+        <p:txBody>
+          <a:bodyPr wrap="none" rtlCol="0">
+            <a:spAutoFit/>
+          </a:bodyPr>
+          <a:lstStyle/>
+          <a:p>
+            <a:r>
+              <a:rPr lang="en-US" altLang="ja-JP" dirty="0">
+                <a:latin typeface="Consolas" panose="020B0609020204030204" pitchFamily="49" charset="0"/>
+                <a:cs typeface="Consolas" panose="020B0609020204030204" pitchFamily="49" charset="0"/>
+              </a:rPr>
+              <a:t>mount</a:t>
+            </a:r>
+            <a:endParaRPr kumimoji="1" lang="ja-JP" altLang="en-US">
+              <a:latin typeface="Consolas" panose="020B0609020204030204" pitchFamily="49" charset="0"/>
+              <a:cs typeface="Consolas" panose="020B0609020204030204" pitchFamily="49" charset="0"/>
+            </a:endParaRPr>
+          </a:p>
+        </p:txBody>
+      </p:sp>
+      <p:cxnSp>
+        <p:nvCxnSpPr>
+          <p:cNvPr id="41" name="直線矢印コネクタ 40">
+            <a:extLst>
+              <a:ext uri="{FF2B5EF4-FFF2-40B4-BE49-F238E27FC236}">
+                <a16:creationId xmlns:a16="http://schemas.microsoft.com/office/drawing/2014/main" id="{9170E29C-D5F6-5848-A536-4F80A81C6961}"/>
+              </a:ext>
+            </a:extLst>
+          </p:cNvPr>
+          <p:cNvCxnSpPr>
+            <a:cxnSpLocks/>
+          </p:cNvCxnSpPr>
+          <p:nvPr/>
+        </p:nvCxnSpPr>
+        <p:spPr>
+          <a:xfrm>
+            <a:off x="3176166" y="2495927"/>
+            <a:ext cx="1754052" cy="1936291"/>
+          </a:xfrm>
+          <a:prstGeom prst="straightConnector1">
+            <a:avLst/>
+          </a:prstGeom>
+          <a:ln w="44450">
+            <a:tailEnd type="arrow"/>
+          </a:ln>
+        </p:spPr>
+        <p:style>
+          <a:lnRef idx="1">
+            <a:schemeClr val="accent1"/>
+          </a:lnRef>
+          <a:fillRef idx="0">
+            <a:schemeClr val="accent1"/>
+          </a:fillRef>
+          <a:effectRef idx="0">
+            <a:schemeClr val="accent1"/>
+          </a:effectRef>
+          <a:fontRef idx="minor">
+            <a:schemeClr val="tx1"/>
+          </a:fontRef>
+        </p:style>
+      </p:cxnSp>
+      <p:sp>
+        <p:nvSpPr>
+          <p:cNvPr id="45" name="テキスト ボックス 44">
+            <a:extLst>
+              <a:ext uri="{FF2B5EF4-FFF2-40B4-BE49-F238E27FC236}">
+                <a16:creationId xmlns:a16="http://schemas.microsoft.com/office/drawing/2014/main" id="{8272A1AF-6010-A64C-AB1F-8FE956595CDB}"/>
+              </a:ext>
+            </a:extLst>
+          </p:cNvPr>
+          <p:cNvSpPr txBox="1"/>
+          <p:nvPr/>
+        </p:nvSpPr>
+        <p:spPr>
+          <a:xfrm>
+            <a:off x="3768261" y="2755787"/>
+            <a:ext cx="3283271" cy="646331"/>
+          </a:xfrm>
+          <a:prstGeom prst="rect">
+            <a:avLst/>
+          </a:prstGeom>
+          <a:noFill/>
+        </p:spPr>
+        <p:txBody>
+          <a:bodyPr wrap="none" rtlCol="0">
+            <a:spAutoFit/>
+          </a:bodyPr>
+          <a:lstStyle/>
+          <a:p>
+            <a:pPr algn="ctr"/>
+            <a:r>
+              <a:rPr kumimoji="1" lang="en-US" altLang="ja-JP" dirty="0">
+                <a:latin typeface="Consolas" panose="020B0609020204030204" pitchFamily="49" charset="0"/>
+                <a:cs typeface="Consolas" panose="020B0609020204030204" pitchFamily="49" charset="0"/>
+              </a:rPr>
+              <a:t>docker cp </a:t>
+            </a:r>
+            <a:r>
+              <a:rPr kumimoji="1" lang="ja-JP" altLang="en-US">
+                <a:latin typeface="Consolas" panose="020B0609020204030204" pitchFamily="49" charset="0"/>
+                <a:cs typeface="Consolas" panose="020B0609020204030204" pitchFamily="49" charset="0"/>
+              </a:rPr>
+              <a:t>で</a:t>
+            </a:r>
+            <a:r>
+              <a:rPr lang="en-US" altLang="ja-JP" dirty="0">
+                <a:latin typeface="Consolas" panose="020B0609020204030204" pitchFamily="49" charset="0"/>
+                <a:cs typeface="Consolas" panose="020B0609020204030204" pitchFamily="49" charset="0"/>
+              </a:rPr>
+              <a:t> go test </a:t>
+            </a:r>
+            <a:r>
+              <a:rPr lang="ja-JP" altLang="en-US">
+                <a:latin typeface="Consolas" panose="020B0609020204030204" pitchFamily="49" charset="0"/>
+                <a:cs typeface="Consolas" panose="020B0609020204030204" pitchFamily="49" charset="0"/>
+              </a:rPr>
+              <a:t>用の</a:t>
+            </a:r>
+            <a:endParaRPr lang="en-US" altLang="ja-JP" dirty="0">
+              <a:latin typeface="Consolas" panose="020B0609020204030204" pitchFamily="49" charset="0"/>
+              <a:cs typeface="Consolas" panose="020B0609020204030204" pitchFamily="49" charset="0"/>
+            </a:endParaRPr>
+          </a:p>
+          <a:p>
+            <a:pPr algn="ctr"/>
+            <a:r>
+              <a:rPr kumimoji="1" lang="ja-JP" altLang="en-US">
+                <a:latin typeface="Consolas" panose="020B0609020204030204" pitchFamily="49" charset="0"/>
+                <a:cs typeface="Consolas" panose="020B0609020204030204" pitchFamily="49" charset="0"/>
+              </a:rPr>
+              <a:t>ソースコードを送り込む</a:t>
+            </a:r>
+            <a:endParaRPr kumimoji="1" lang="en-US" altLang="ja-JP" dirty="0">
+              <a:latin typeface="Consolas" panose="020B0609020204030204" pitchFamily="49" charset="0"/>
+              <a:cs typeface="Consolas" panose="020B0609020204030204" pitchFamily="49" charset="0"/>
+            </a:endParaRPr>
+          </a:p>
+        </p:txBody>
+      </p:sp>
+      <p:cxnSp>
+        <p:nvCxnSpPr>
+          <p:cNvPr id="59" name="直線矢印コネクタ 58">
+            <a:extLst>
+              <a:ext uri="{FF2B5EF4-FFF2-40B4-BE49-F238E27FC236}">
+                <a16:creationId xmlns:a16="http://schemas.microsoft.com/office/drawing/2014/main" id="{08689AEF-BEDD-4143-815F-73B675B1D8AA}"/>
+              </a:ext>
+            </a:extLst>
+          </p:cNvPr>
+          <p:cNvCxnSpPr>
+            <a:cxnSpLocks/>
+          </p:cNvCxnSpPr>
+          <p:nvPr/>
+        </p:nvCxnSpPr>
+        <p:spPr>
+          <a:xfrm>
+            <a:off x="7861378" y="2326385"/>
+            <a:ext cx="0" cy="521318"/>
+          </a:xfrm>
+          <a:prstGeom prst="straightConnector1">
+            <a:avLst/>
+          </a:prstGeom>
+          <a:ln w="44450">
+            <a:tailEnd type="arrow"/>
+          </a:ln>
+        </p:spPr>
+        <p:style>
+          <a:lnRef idx="1">
+            <a:schemeClr val="accent1"/>
+          </a:lnRef>
+          <a:fillRef idx="0">
+            <a:schemeClr val="accent1"/>
+          </a:fillRef>
+          <a:effectRef idx="0">
+            <a:schemeClr val="accent1"/>
+          </a:effectRef>
+          <a:fontRef idx="minor">
+            <a:schemeClr val="tx1"/>
+          </a:fontRef>
+        </p:style>
+      </p:cxnSp>
+      <p:sp>
+        <p:nvSpPr>
+          <p:cNvPr id="61" name="テキスト ボックス 60">
+            <a:extLst>
+              <a:ext uri="{FF2B5EF4-FFF2-40B4-BE49-F238E27FC236}">
+                <a16:creationId xmlns:a16="http://schemas.microsoft.com/office/drawing/2014/main" id="{64F83537-5137-5042-8763-F0ABDF2CDCF1}"/>
+              </a:ext>
+            </a:extLst>
+          </p:cNvPr>
+          <p:cNvSpPr txBox="1"/>
+          <p:nvPr/>
+        </p:nvSpPr>
+        <p:spPr>
+          <a:xfrm>
+            <a:off x="7963148" y="2423233"/>
+            <a:ext cx="646331" cy="369332"/>
+          </a:xfrm>
+          <a:prstGeom prst="rect">
+            <a:avLst/>
+          </a:prstGeom>
+          <a:noFill/>
+        </p:spPr>
+        <p:txBody>
+          <a:bodyPr wrap="none" rtlCol="0">
+            <a:spAutoFit/>
+          </a:bodyPr>
+          <a:lstStyle/>
+          <a:p>
+            <a:pPr algn="ctr"/>
+            <a:r>
+              <a:rPr kumimoji="1" lang="ja-JP" altLang="en-US">
+                <a:latin typeface="Consolas" panose="020B0609020204030204" pitchFamily="49" charset="0"/>
+                <a:cs typeface="Consolas" panose="020B0609020204030204" pitchFamily="49" charset="0"/>
+              </a:rPr>
+              <a:t>管理</a:t>
+            </a:r>
+            <a:endParaRPr kumimoji="1" lang="en-US" altLang="ja-JP" dirty="0">
+              <a:latin typeface="Consolas" panose="020B0609020204030204" pitchFamily="49" charset="0"/>
+              <a:cs typeface="Consolas" panose="020B0609020204030204" pitchFamily="49" charset="0"/>
+            </a:endParaRPr>
+          </a:p>
+        </p:txBody>
+      </p:sp>
+    </p:spTree>
+    <p:extLst>
+      <p:ext uri="{BB962C8B-B14F-4D97-AF65-F5344CB8AC3E}">
+        <p14:creationId xmlns:p14="http://schemas.microsoft.com/office/powerpoint/2010/main" val="3064488238"/>
+      </p:ext>
+    </p:extLst>
+  </p:cSld>
+  <p:clrMapOvr>
+    <a:masterClrMapping/>
+  </p:clrMapOvr>
+</p:sld>
+</file>
+
 <file path=ppt/theme/theme1.xml><?xml version="1.0" encoding="utf-8"?>
 <a:theme xmlns:a="http://schemas.openxmlformats.org/drawingml/2006/main" name="Office テーマ">
   <a:themeElements>

--- a/fig.pptx
+++ b/fig.pptx
@@ -4707,13 +4707,6 @@
               </a:rPr>
               <a:t>Primary Container</a:t>
             </a:r>
-            <a:endParaRPr lang="ja-JP" altLang="en-US" sz="2400" b="1">
-              <a:solidFill>
-                <a:schemeClr val="accent1"/>
-              </a:solidFill>
-              <a:latin typeface="Calibri" panose="020F0502020204030204" pitchFamily="34" charset="0"/>
-              <a:cs typeface="Calibri" panose="020F0502020204030204" pitchFamily="34" charset="0"/>
-            </a:endParaRPr>
           </a:p>
         </p:txBody>
       </p:sp>
